--- a/Lab3/Lab3 Highway Env.pptx
+++ b/Lab3/Lab3 Highway Env.pptx
@@ -829,8 +829,8 @@
         </p:nvSpPr>
         <p:spPr/>
       </p:sp>
-      <mc:AlternateContent xmlns:mc="http://schemas.openxmlformats.org/markup-compatibility/2006">
-        <mc:Choice xmlns:a14="http://schemas.microsoft.com/office/drawing/2010/main" Requires="a14">
+      <mc:AlternateContent xmlns:mc="http://schemas.openxmlformats.org/markup-compatibility/2006" xmlns:a14="http://schemas.microsoft.com/office/drawing/2010/main">
+        <mc:Choice Requires="a14">
           <p:sp>
             <p:nvSpPr>
               <p:cNvPr id="3" name="Notes Placeholder 2"/>
@@ -1369,7 +1369,7 @@
             </p:txBody>
           </p:sp>
         </mc:Choice>
-        <mc:Fallback>
+        <mc:Fallback xmlns="">
           <p:sp>
             <p:nvSpPr>
               <p:cNvPr id="3" name="Notes Placeholder 2"/>
@@ -6780,8 +6780,13 @@
           <a:p>
             <a:r>
               <a:rPr lang="en-US" altLang="zh-CN" dirty="0"/>
-              <a:t>Zonghua Gu 2021</a:t>
-            </a:r>
+              <a:t>Zonghua </a:t>
+            </a:r>
+            <a:r>
+              <a:rPr lang="en-US" altLang="zh-CN"/>
+              <a:t>Gu 2022</a:t>
+            </a:r>
+            <a:endParaRPr lang="en-US" altLang="zh-CN" dirty="0"/>
           </a:p>
         </p:txBody>
       </p:sp>
@@ -8539,8 +8544,8 @@
           </a:p>
         </p:txBody>
       </p:sp>
-      <mc:AlternateContent xmlns:mc="http://schemas.openxmlformats.org/markup-compatibility/2006">
-        <mc:Choice xmlns:a14="http://schemas.microsoft.com/office/drawing/2010/main" Requires="a14">
+      <mc:AlternateContent xmlns:mc="http://schemas.openxmlformats.org/markup-compatibility/2006" xmlns:a14="http://schemas.microsoft.com/office/drawing/2010/main">
+        <mc:Choice Requires="a14">
           <p:sp>
             <p:nvSpPr>
               <p:cNvPr id="3" name="Content Placeholder 2">
@@ -9060,15 +9065,7 @@
               <a:p>
                 <a:r>
                   <a:rPr lang="en-US" dirty="0"/>
-                  <a:t>Your jobs is to add an additional </a:t>
-                </a:r>
-                <a:r>
-                  <a:rPr lang="en-US" dirty="0" err="1"/>
-                  <a:t>lane_change_reward</a:t>
-                </a:r>
-                <a:r>
-                  <a:rPr lang="en-US" dirty="0"/>
-                  <a:t> by modifying both functions </a:t>
+                  <a:t>Your job is to add an additional lane_change_reward by modifying both functions </a:t>
                 </a:r>
                 <a:r>
                   <a:rPr lang="en-US" sz="3200" dirty="0"/>
@@ -9089,8 +9086,44 @@
                   <a:t>for how to add the </a:t>
                 </a:r>
                 <a:r>
+                  <a:rPr lang="en-US" dirty="0" err="1">
+                    <a:solidFill>
+                      <a:srgbClr val="C00000"/>
+                    </a:solidFill>
+                  </a:rPr>
+                  <a:t>lane_change_reward</a:t>
+                </a:r>
+                <a:endParaRPr lang="en-US" dirty="0">
+                  <a:solidFill>
+                    <a:srgbClr val="C00000"/>
+                  </a:solidFill>
+                </a:endParaRPr>
+              </a:p>
+              <a:p>
+                <a:pPr lvl="1"/>
+                <a:r>
+                  <a:rPr lang="en-US" dirty="0"/>
+                  <a:t>You need to add it to both </a:t>
+                </a:r>
+                <a:r>
                   <a:rPr lang="en-US" dirty="0" err="1"/>
-                  <a:t>lane_change_reward</a:t>
+                  <a:t>utils.lmap</a:t>
+                </a:r>
+                <a:r>
+                  <a:rPr lang="en-US" dirty="0"/>
+                  <a:t>() in </a:t>
+                </a:r>
+                <a:r>
+                  <a:rPr lang="en-US" sz="2800" dirty="0"/>
+                  <a:t>_reward() </a:t>
+                </a:r>
+                <a:r>
+                  <a:rPr lang="en-US" dirty="0"/>
+                  <a:t>and return… in </a:t>
+                </a:r>
+                <a:r>
+                  <a:rPr lang="en-US" sz="2800" dirty="0"/>
+                  <a:t>_rewards() </a:t>
                 </a:r>
                 <a:endParaRPr lang="en-US" dirty="0"/>
               </a:p>
@@ -9111,7 +9144,7 @@
             </p:txBody>
           </p:sp>
         </mc:Choice>
-        <mc:Fallback>
+        <mc:Fallback xmlns="">
           <p:sp>
             <p:nvSpPr>
               <p:cNvPr id="3" name="Content Placeholder 2">
@@ -9136,7 +9169,7 @@
               <a:blipFill>
                 <a:blip r:embed="rId3"/>
                 <a:stretch>
-                  <a:fillRect l="-1037" t="-2339"/>
+                  <a:fillRect l="-1037" t="-2339" b="-1670"/>
                 </a:stretch>
               </a:blipFill>
             </p:spPr>
@@ -9269,12 +9302,21 @@
             <p:ph idx="1"/>
           </p:nvPr>
         </p:nvSpPr>
-        <p:spPr/>
+        <p:spPr>
+          <a:xfrm>
+            <a:off x="457200" y="4800600"/>
+            <a:ext cx="8229600" cy="1600200"/>
+          </a:xfrm>
+        </p:spPr>
         <p:txBody>
           <a:bodyPr/>
           <a:lstStyle/>
           <a:p>
-            <a:endParaRPr lang="en-SE"/>
+            <a:r>
+              <a:rPr lang="en-US" dirty="0"/>
+              <a:t>This function is problematic, since it does not really add lane_change_reward in _reward() function </a:t>
+            </a:r>
+            <a:endParaRPr lang="en-SE" dirty="0"/>
           </a:p>
         </p:txBody>
       </p:sp>
@@ -9335,7 +9377,7 @@
         </p:blipFill>
         <p:spPr>
           <a:xfrm>
-            <a:off x="135387" y="1542538"/>
+            <a:off x="135387" y="1295400"/>
             <a:ext cx="8873225" cy="3505200"/>
           </a:xfrm>
           <a:prstGeom prst="rect">
